--- a/Coursse-Project/CarCrashTodayPreview.pptx
+++ b/Coursse-Project/CarCrashTodayPreview.pptx
@@ -8566,11 +8566,7 @@
           <a:p>
             <a:r>
               <a:rPr lang="ru-RU" dirty="0" smtClean="0"/>
-              <a:t>Разработка программной системы </a:t>
-            </a:r>
-            <a:r>
-              <a:rPr lang="ru-RU" dirty="0" smtClean="0"/>
-              <a:t>«</a:t>
+              <a:t>Разработка программной системы «</a:t>
             </a:r>
             <a:r>
               <a:rPr lang="en-US" dirty="0" smtClean="0"/>
@@ -8611,7 +8607,6 @@
               <a:rPr lang="ru-RU" dirty="0" smtClean="0"/>
               <a:t>Кислова А.В.</a:t>
             </a:r>
-            <a:endParaRPr lang="ru-RU" dirty="0" smtClean="0"/>
           </a:p>
           <a:p>
             <a:pPr algn="r"/>
@@ -8619,7 +8614,6 @@
               <a:rPr lang="ru-RU" dirty="0" smtClean="0"/>
               <a:t>Никонова М.А.</a:t>
             </a:r>
-            <a:endParaRPr lang="ru-RU" dirty="0" smtClean="0"/>
           </a:p>
           <a:p>
             <a:pPr algn="r"/>
@@ -8697,7 +8691,15 @@
             </a:pPr>
             <a:r>
               <a:rPr lang="ru-RU" sz="2800" dirty="0" smtClean="0"/>
-              <a:t>На данный момент почти в каждой семье есть автомобиль, возможно и не один. Ежедневно люди ездят на работу, с работы, а также по личным нуждам или просто работают на автотранспорте. Как известно, автомобиль – источник повышенной опасности и ДТП на дорогах общего пользования происходят каждый день.</a:t>
+              <a:t>На данный момент почти в каждой семье есть автомобиль, возможно, и не один. Ежедневно люди ездят на работу, с работы, а также по личным нуждам или просто работают на автотранспорте. Как известно, автомобиль – источник повышенной </a:t>
+            </a:r>
+            <a:r>
+              <a:rPr lang="ru-RU" sz="2800" dirty="0" smtClean="0"/>
+              <a:t>опасности, </a:t>
+            </a:r>
+            <a:r>
+              <a:rPr lang="ru-RU" sz="2800" dirty="0" smtClean="0"/>
+              <a:t>и ДТП на дорогах общего пользования происходят каждый день.</a:t>
             </a:r>
             <a:endParaRPr lang="en-US" sz="2800" dirty="0" smtClean="0"/>
           </a:p>
@@ -8724,11 +8726,15 @@
             </a:r>
             <a:r>
               <a:rPr lang="ru-RU" sz="2800" dirty="0" smtClean="0"/>
-              <a:t>»</a:t>
+              <a:t>» накапливает данные о ДТП в городе</a:t>
             </a:r>
             <a:r>
               <a:rPr lang="ru-RU" sz="2800" dirty="0" smtClean="0"/>
-              <a:t> накапливает данные о ДТП в городе, она позволяет добавлять сведения новых происшествиях, а также получать статистику о самых опасных участках дороги. Приложение взаимодействует с сервисом «</a:t>
+              <a:t>, </a:t>
+            </a:r>
+            <a:r>
+              <a:rPr lang="ru-RU" sz="2800" dirty="0" smtClean="0"/>
+              <a:t>позволяет добавлять сведения о новых происшествиях, а также получать статистику о самых опасных участках дороги. Приложение взаимодействует с сервисом «</a:t>
             </a:r>
             <a:r>
               <a:rPr lang="ru-RU" sz="2800" dirty="0" err="1" smtClean="0"/>
@@ -8736,7 +8742,35 @@
             </a:r>
             <a:r>
               <a:rPr lang="ru-RU" sz="2800" dirty="0" smtClean="0"/>
-              <a:t>» для получения данных о ДТП и имеет возможность добавления данных авторизированным пользователем с учетом </a:t>
+              <a:t>» для получения данных о </a:t>
+            </a:r>
+            <a:r>
+              <a:rPr lang="ru-RU" sz="2800" dirty="0" smtClean="0"/>
+              <a:t>ДТП. </a:t>
+            </a:r>
+            <a:r>
+              <a:rPr lang="ru-RU" sz="2800" dirty="0"/>
+              <a:t>Так </a:t>
+            </a:r>
+            <a:r>
+              <a:rPr lang="ru-RU" sz="2800" dirty="0" smtClean="0"/>
+              <a:t>же авторизированные пользователи  </a:t>
+            </a:r>
+            <a:r>
+              <a:rPr lang="ru-RU" sz="2800" dirty="0" smtClean="0"/>
+              <a:t>имеют </a:t>
+            </a:r>
+            <a:r>
+              <a:rPr lang="ru-RU" sz="2800" dirty="0" smtClean="0"/>
+              <a:t>возможность </a:t>
+            </a:r>
+            <a:r>
+              <a:rPr lang="ru-RU" sz="2800" dirty="0" smtClean="0"/>
+              <a:t>добавить данные с </a:t>
+            </a:r>
+            <a:r>
+              <a:rPr lang="ru-RU" sz="2800" dirty="0" smtClean="0"/>
+              <a:t>учетом </a:t>
             </a:r>
             <a:r>
               <a:rPr lang="ru-RU" sz="2800" dirty="0" err="1" smtClean="0"/>
@@ -8746,7 +8780,6 @@
               <a:rPr lang="ru-RU" sz="2800" dirty="0" smtClean="0"/>
               <a:t>.</a:t>
             </a:r>
-            <a:endParaRPr lang="ru-RU" sz="2800" dirty="0" smtClean="0"/>
           </a:p>
           <a:p>
             <a:pPr marL="180000" indent="432000" algn="just">
@@ -8801,7 +8834,7 @@
             </a:pPr>
             <a:r>
               <a:rPr lang="ru-RU" sz="2800" i="0" dirty="0" smtClean="0"/>
-              <a:t>Добавление информации о ДТП авторизированным пользователем;</a:t>
+              <a:t>Добавление информации о ДТП авторизированными пользователями;</a:t>
             </a:r>
           </a:p>
           <a:p>
@@ -8942,7 +8975,6 @@
               <a:rPr lang="ru-RU" sz="2800" dirty="0" smtClean="0"/>
               <a:t>Водители;</a:t>
             </a:r>
-            <a:endParaRPr lang="ru-RU" sz="2800" dirty="0" smtClean="0"/>
           </a:p>
           <a:p>
             <a:r>
@@ -8974,7 +9006,6 @@
               <a:rPr lang="ru-RU" sz="2800" dirty="0" smtClean="0"/>
               <a:t>Сотрудники ГАИ;</a:t>
             </a:r>
-            <a:endParaRPr lang="ru-RU" sz="2800" dirty="0" smtClean="0"/>
           </a:p>
           <a:p>
             <a:r>
@@ -9091,7 +9122,6 @@
               <a:rPr lang="ru-RU" sz="2800" dirty="0" smtClean="0"/>
               <a:t>Предоставление данных другим сервисам.</a:t>
             </a:r>
-            <a:endParaRPr lang="ru-RU" sz="2800" dirty="0" smtClean="0"/>
           </a:p>
           <a:p>
             <a:pPr>
@@ -9284,7 +9314,6 @@
               <a:rPr lang="ru-RU" dirty="0" smtClean="0"/>
               <a:t>Информация для автовладельцев об автомобиле, замеченном в ДТП в данном регионе;</a:t>
             </a:r>
-            <a:endParaRPr lang="ru-RU" dirty="0" smtClean="0"/>
           </a:p>
           <a:p>
             <a:pPr>
@@ -9295,7 +9324,6 @@
               <a:rPr lang="ru-RU" dirty="0" smtClean="0"/>
               <a:t>Потенциальное предотвращение ДТП.</a:t>
             </a:r>
-            <a:endParaRPr lang="ru-RU" dirty="0" smtClean="0"/>
           </a:p>
           <a:p>
             <a:pPr marL="0" indent="0">
@@ -9519,7 +9547,6 @@
               <a:rPr lang="ru-RU" sz="2800" dirty="0" smtClean="0"/>
               <a:t> ГИБДД:</a:t>
             </a:r>
-            <a:endParaRPr lang="ru-RU" sz="2800" dirty="0" smtClean="0"/>
           </a:p>
           <a:p>
             <a:pPr algn="just">
@@ -9531,7 +9558,6 @@
               <a:rPr lang="ru-RU" sz="2400" dirty="0" smtClean="0"/>
               <a:t>Большая база данных о ДТП, непосредственный источник информации;</a:t>
             </a:r>
-            <a:endParaRPr lang="ru-RU" sz="2400" dirty="0" smtClean="0"/>
           </a:p>
           <a:p>
             <a:pPr algn="just">

--- a/Coursse-Project/CarCrashTodayPreview.pptx
+++ b/Coursse-Project/CarCrashTodayPreview.pptx
@@ -259,7 +259,7 @@
           <a:p>
             <a:fld id="{B8FAF278-E577-44DE-9BEA-E653AABB269D}" type="datetimeFigureOut">
               <a:rPr lang="ru-RU" smtClean="0"/>
-              <a:t>07.10.2018</a:t>
+              <a:t>08.10.2018</a:t>
             </a:fld>
             <a:endParaRPr lang="ru-RU"/>
           </a:p>
@@ -429,7 +429,7 @@
           <a:p>
             <a:fld id="{B8FAF278-E577-44DE-9BEA-E653AABB269D}" type="datetimeFigureOut">
               <a:rPr lang="ru-RU" smtClean="0"/>
-              <a:t>07.10.2018</a:t>
+              <a:t>08.10.2018</a:t>
             </a:fld>
             <a:endParaRPr lang="ru-RU"/>
           </a:p>
@@ -609,7 +609,7 @@
           <a:p>
             <a:fld id="{B8FAF278-E577-44DE-9BEA-E653AABB269D}" type="datetimeFigureOut">
               <a:rPr lang="ru-RU" smtClean="0"/>
-              <a:t>07.10.2018</a:t>
+              <a:t>08.10.2018</a:t>
             </a:fld>
             <a:endParaRPr lang="ru-RU"/>
           </a:p>
@@ -872,7 +872,7 @@
           <a:p>
             <a:fld id="{B8FAF278-E577-44DE-9BEA-E653AABB269D}" type="datetimeFigureOut">
               <a:rPr lang="ru-RU" smtClean="0"/>
-              <a:t>07.10.2018</a:t>
+              <a:t>08.10.2018</a:t>
             </a:fld>
             <a:endParaRPr lang="ru-RU"/>
           </a:p>
@@ -1042,7 +1042,7 @@
           <a:p>
             <a:fld id="{B8FAF278-E577-44DE-9BEA-E653AABB269D}" type="datetimeFigureOut">
               <a:rPr lang="ru-RU" smtClean="0"/>
-              <a:t>07.10.2018</a:t>
+              <a:t>08.10.2018</a:t>
             </a:fld>
             <a:endParaRPr lang="ru-RU"/>
           </a:p>
@@ -1288,7 +1288,7 @@
           <a:p>
             <a:fld id="{B8FAF278-E577-44DE-9BEA-E653AABB269D}" type="datetimeFigureOut">
               <a:rPr lang="ru-RU" smtClean="0"/>
-              <a:t>07.10.2018</a:t>
+              <a:t>08.10.2018</a:t>
             </a:fld>
             <a:endParaRPr lang="ru-RU"/>
           </a:p>
@@ -1580,7 +1580,7 @@
           <a:p>
             <a:fld id="{B8FAF278-E577-44DE-9BEA-E653AABB269D}" type="datetimeFigureOut">
               <a:rPr lang="ru-RU" smtClean="0"/>
-              <a:t>07.10.2018</a:t>
+              <a:t>08.10.2018</a:t>
             </a:fld>
             <a:endParaRPr lang="ru-RU"/>
           </a:p>
@@ -2010,7 +2010,7 @@
           <a:p>
             <a:fld id="{B8FAF278-E577-44DE-9BEA-E653AABB269D}" type="datetimeFigureOut">
               <a:rPr lang="ru-RU" smtClean="0"/>
-              <a:t>07.10.2018</a:t>
+              <a:t>08.10.2018</a:t>
             </a:fld>
             <a:endParaRPr lang="ru-RU"/>
           </a:p>
@@ -2133,7 +2133,7 @@
           <a:p>
             <a:fld id="{B8FAF278-E577-44DE-9BEA-E653AABB269D}" type="datetimeFigureOut">
               <a:rPr lang="ru-RU" smtClean="0"/>
-              <a:t>07.10.2018</a:t>
+              <a:t>08.10.2018</a:t>
             </a:fld>
             <a:endParaRPr lang="ru-RU"/>
           </a:p>
@@ -2228,7 +2228,7 @@
           <a:p>
             <a:fld id="{B8FAF278-E577-44DE-9BEA-E653AABB269D}" type="datetimeFigureOut">
               <a:rPr lang="ru-RU" smtClean="0"/>
-              <a:t>07.10.2018</a:t>
+              <a:t>08.10.2018</a:t>
             </a:fld>
             <a:endParaRPr lang="ru-RU"/>
           </a:p>
@@ -2511,7 +2511,7 @@
           <a:p>
             <a:fld id="{B8FAF278-E577-44DE-9BEA-E653AABB269D}" type="datetimeFigureOut">
               <a:rPr lang="ru-RU" smtClean="0"/>
-              <a:t>07.10.2018</a:t>
+              <a:t>08.10.2018</a:t>
             </a:fld>
             <a:endParaRPr lang="ru-RU"/>
           </a:p>
@@ -2681,7 +2681,7 @@
           <a:p>
             <a:fld id="{B8FAF278-E577-44DE-9BEA-E653AABB269D}" type="datetimeFigureOut">
               <a:rPr lang="ru-RU" smtClean="0"/>
-              <a:t>07.10.2018</a:t>
+              <a:t>08.10.2018</a:t>
             </a:fld>
             <a:endParaRPr lang="ru-RU"/>
           </a:p>
@@ -2972,7 +2972,7 @@
           <a:p>
             <a:fld id="{B8FAF278-E577-44DE-9BEA-E653AABB269D}" type="datetimeFigureOut">
               <a:rPr lang="ru-RU" smtClean="0"/>
-              <a:t>07.10.2018</a:t>
+              <a:t>08.10.2018</a:t>
             </a:fld>
             <a:endParaRPr lang="ru-RU"/>
           </a:p>
@@ -3273,7 +3273,7 @@
           <a:p>
             <a:fld id="{B8FAF278-E577-44DE-9BEA-E653AABB269D}" type="datetimeFigureOut">
               <a:rPr lang="ru-RU" smtClean="0"/>
-              <a:t>07.10.2018</a:t>
+              <a:t>08.10.2018</a:t>
             </a:fld>
             <a:endParaRPr lang="ru-RU"/>
           </a:p>
@@ -3521,7 +3521,7 @@
           <a:p>
             <a:fld id="{B8FAF278-E577-44DE-9BEA-E653AABB269D}" type="datetimeFigureOut">
               <a:rPr lang="ru-RU" smtClean="0"/>
-              <a:t>07.10.2018</a:t>
+              <a:t>08.10.2018</a:t>
             </a:fld>
             <a:endParaRPr lang="ru-RU"/>
           </a:p>
@@ -4057,7 +4057,7 @@
           <a:p>
             <a:fld id="{B8FAF278-E577-44DE-9BEA-E653AABB269D}" type="datetimeFigureOut">
               <a:rPr lang="ru-RU" smtClean="0"/>
-              <a:t>07.10.2018</a:t>
+              <a:t>08.10.2018</a:t>
             </a:fld>
             <a:endParaRPr lang="ru-RU"/>
           </a:p>
@@ -4305,7 +4305,7 @@
           <a:p>
             <a:fld id="{B8FAF278-E577-44DE-9BEA-E653AABB269D}" type="datetimeFigureOut">
               <a:rPr lang="ru-RU" smtClean="0"/>
-              <a:t>07.10.2018</a:t>
+              <a:t>08.10.2018</a:t>
             </a:fld>
             <a:endParaRPr lang="ru-RU"/>
           </a:p>
@@ -4848,7 +4848,7 @@
           <a:p>
             <a:fld id="{B8FAF278-E577-44DE-9BEA-E653AABB269D}" type="datetimeFigureOut">
               <a:rPr lang="ru-RU" smtClean="0"/>
-              <a:t>07.10.2018</a:t>
+              <a:t>08.10.2018</a:t>
             </a:fld>
             <a:endParaRPr lang="ru-RU"/>
           </a:p>
@@ -5158,7 +5158,7 @@
           <a:p>
             <a:fld id="{B8FAF278-E577-44DE-9BEA-E653AABB269D}" type="datetimeFigureOut">
               <a:rPr lang="ru-RU" smtClean="0"/>
-              <a:t>07.10.2018</a:t>
+              <a:t>08.10.2018</a:t>
             </a:fld>
             <a:endParaRPr lang="ru-RU"/>
           </a:p>
@@ -5333,7 +5333,7 @@
           <a:p>
             <a:fld id="{B8FAF278-E577-44DE-9BEA-E653AABB269D}" type="datetimeFigureOut">
               <a:rPr lang="ru-RU" smtClean="0"/>
-              <a:t>07.10.2018</a:t>
+              <a:t>08.10.2018</a:t>
             </a:fld>
             <a:endParaRPr lang="ru-RU"/>
           </a:p>
@@ -5513,7 +5513,7 @@
           <a:p>
             <a:fld id="{B8FAF278-E577-44DE-9BEA-E653AABB269D}" type="datetimeFigureOut">
               <a:rPr lang="ru-RU" smtClean="0"/>
-              <a:t>07.10.2018</a:t>
+              <a:t>08.10.2018</a:t>
             </a:fld>
             <a:endParaRPr lang="ru-RU"/>
           </a:p>
@@ -5764,7 +5764,7 @@
           <a:p>
             <a:fld id="{B8FAF278-E577-44DE-9BEA-E653AABB269D}" type="datetimeFigureOut">
               <a:rPr lang="ru-RU" smtClean="0"/>
-              <a:t>07.10.2018</a:t>
+              <a:t>08.10.2018</a:t>
             </a:fld>
             <a:endParaRPr lang="ru-RU"/>
           </a:p>
@@ -5996,7 +5996,7 @@
           <a:p>
             <a:fld id="{B8FAF278-E577-44DE-9BEA-E653AABB269D}" type="datetimeFigureOut">
               <a:rPr lang="ru-RU" smtClean="0"/>
-              <a:t>07.10.2018</a:t>
+              <a:t>08.10.2018</a:t>
             </a:fld>
             <a:endParaRPr lang="ru-RU"/>
           </a:p>
@@ -6343,7 +6343,7 @@
           <a:p>
             <a:fld id="{B8FAF278-E577-44DE-9BEA-E653AABB269D}" type="datetimeFigureOut">
               <a:rPr lang="ru-RU" smtClean="0"/>
-              <a:t>07.10.2018</a:t>
+              <a:t>08.10.2018</a:t>
             </a:fld>
             <a:endParaRPr lang="ru-RU"/>
           </a:p>
@@ -6461,7 +6461,7 @@
           <a:p>
             <a:fld id="{B8FAF278-E577-44DE-9BEA-E653AABB269D}" type="datetimeFigureOut">
               <a:rPr lang="ru-RU" smtClean="0"/>
-              <a:t>07.10.2018</a:t>
+              <a:t>08.10.2018</a:t>
             </a:fld>
             <a:endParaRPr lang="ru-RU"/>
           </a:p>
@@ -6579,7 +6579,7 @@
           <a:p>
             <a:fld id="{B8FAF278-E577-44DE-9BEA-E653AABB269D}" type="datetimeFigureOut">
               <a:rPr lang="ru-RU" smtClean="0"/>
-              <a:t>07.10.2018</a:t>
+              <a:t>08.10.2018</a:t>
             </a:fld>
             <a:endParaRPr lang="ru-RU"/>
           </a:p>
@@ -6863,7 +6863,7 @@
           <a:p>
             <a:fld id="{B8FAF278-E577-44DE-9BEA-E653AABB269D}" type="datetimeFigureOut">
               <a:rPr lang="ru-RU" smtClean="0"/>
-              <a:t>07.10.2018</a:t>
+              <a:t>08.10.2018</a:t>
             </a:fld>
             <a:endParaRPr lang="ru-RU"/>
           </a:p>
@@ -7127,7 +7127,7 @@
           <a:p>
             <a:fld id="{B8FAF278-E577-44DE-9BEA-E653AABB269D}" type="datetimeFigureOut">
               <a:rPr lang="ru-RU" smtClean="0"/>
-              <a:t>07.10.2018</a:t>
+              <a:t>08.10.2018</a:t>
             </a:fld>
             <a:endParaRPr lang="ru-RU"/>
           </a:p>
@@ -7341,7 +7341,7 @@
           <a:p>
             <a:fld id="{B8FAF278-E577-44DE-9BEA-E653AABB269D}" type="datetimeFigureOut">
               <a:rPr lang="ru-RU" smtClean="0"/>
-              <a:t>07.10.2018</a:t>
+              <a:t>08.10.2018</a:t>
             </a:fld>
             <a:endParaRPr lang="ru-RU"/>
           </a:p>
@@ -7878,7 +7878,7 @@
           <a:p>
             <a:fld id="{B8FAF278-E577-44DE-9BEA-E653AABB269D}" type="datetimeFigureOut">
               <a:rPr lang="ru-RU" smtClean="0"/>
-              <a:t>07.10.2018</a:t>
+              <a:t>08.10.2018</a:t>
             </a:fld>
             <a:endParaRPr lang="ru-RU"/>
           </a:p>
@@ -8598,30 +8598,43 @@
         </p:spPr>
         <p:txBody>
           <a:bodyPr>
-            <a:normAutofit fontScale="92500" lnSpcReduction="20000"/>
+            <a:normAutofit fontScale="85000" lnSpcReduction="20000"/>
           </a:bodyPr>
           <a:lstStyle/>
           <a:p>
             <a:pPr algn="r"/>
             <a:r>
               <a:rPr lang="ru-RU" dirty="0" smtClean="0"/>
-              <a:t>Кислова А.В.</a:t>
-            </a:r>
+              <a:t>Кислова А.В</a:t>
+            </a:r>
+            <a:r>
+              <a:rPr lang="ru-RU" dirty="0" smtClean="0"/>
+              <a:t>.</a:t>
+            </a:r>
+            <a:endParaRPr lang="en-US" dirty="0" smtClean="0"/>
           </a:p>
           <a:p>
             <a:pPr algn="r"/>
             <a:r>
+              <a:rPr lang="ru-RU" dirty="0"/>
+              <a:t>Пьянов А.М.</a:t>
+            </a:r>
+          </a:p>
+          <a:p>
+            <a:pPr algn="r"/>
+            <a:r>
               <a:rPr lang="ru-RU" dirty="0" smtClean="0"/>
-              <a:t>Никонова М.А.</a:t>
-            </a:r>
-          </a:p>
-          <a:p>
-            <a:pPr algn="r"/>
+              <a:t>Никонова </a:t>
+            </a:r>
             <a:r>
               <a:rPr lang="ru-RU" dirty="0" smtClean="0"/>
-              <a:t>Пьянов А.М.</a:t>
-            </a:r>
-            <a:endParaRPr lang="ru-RU" dirty="0"/>
+              <a:t>М.А</a:t>
+            </a:r>
+            <a:r>
+              <a:rPr lang="ru-RU" dirty="0" smtClean="0"/>
+              <a:t>.</a:t>
+            </a:r>
+            <a:endParaRPr lang="ru-RU" dirty="0" smtClean="0"/>
           </a:p>
         </p:txBody>
       </p:sp>
@@ -8691,15 +8704,7 @@
             </a:pPr>
             <a:r>
               <a:rPr lang="ru-RU" sz="2800" dirty="0" smtClean="0"/>
-              <a:t>На данный момент почти в каждой семье есть автомобиль, возможно, и не один. Ежедневно люди ездят на работу, с работы, а также по личным нуждам или просто работают на автотранспорте. Как известно, автомобиль – источник повышенной </a:t>
-            </a:r>
-            <a:r>
-              <a:rPr lang="ru-RU" sz="2800" dirty="0" smtClean="0"/>
-              <a:t>опасности, </a:t>
-            </a:r>
-            <a:r>
-              <a:rPr lang="ru-RU" sz="2800" dirty="0" smtClean="0"/>
-              <a:t>и ДТП на дорогах общего пользования происходят каждый день.</a:t>
+              <a:t>На данный момент почти в каждой семье есть автомобиль, возможно, и не один. Ежедневно люди ездят на работу, с работы, а также по личным нуждам или просто работают на автотранспорте. Как известно, автомобиль – источник повышенной опасности, и ДТП на дорогах общего пользования происходят каждый день.</a:t>
             </a:r>
             <a:endParaRPr lang="en-US" sz="2800" dirty="0" smtClean="0"/>
           </a:p>
@@ -8726,15 +8731,7 @@
             </a:r>
             <a:r>
               <a:rPr lang="ru-RU" sz="2800" dirty="0" smtClean="0"/>
-              <a:t>» накапливает данные о ДТП в городе</a:t>
-            </a:r>
-            <a:r>
-              <a:rPr lang="ru-RU" sz="2800" dirty="0" smtClean="0"/>
-              <a:t>, </a:t>
-            </a:r>
-            <a:r>
-              <a:rPr lang="ru-RU" sz="2800" dirty="0" smtClean="0"/>
-              <a:t>позволяет добавлять сведения о новых происшествиях, а также получать статистику о самых опасных участках дороги. Приложение взаимодействует с сервисом «</a:t>
+              <a:t>» накапливает данные о ДТП в городе, позволяет добавлять сведения о новых происшествиях, а также получать статистику о самых опасных участках дороги. Приложение взаимодействует с сервисом «</a:t>
             </a:r>
             <a:r>
               <a:rPr lang="ru-RU" sz="2800" dirty="0" err="1" smtClean="0"/>
@@ -8742,11 +8739,7 @@
             </a:r>
             <a:r>
               <a:rPr lang="ru-RU" sz="2800" dirty="0" smtClean="0"/>
-              <a:t>» для получения данных о </a:t>
-            </a:r>
-            <a:r>
-              <a:rPr lang="ru-RU" sz="2800" dirty="0" smtClean="0"/>
-              <a:t>ДТП. </a:t>
+              <a:t>» для получения данных о ДТП. </a:t>
             </a:r>
             <a:r>
               <a:rPr lang="ru-RU" sz="2800" dirty="0"/>
@@ -8754,23 +8747,7 @@
             </a:r>
             <a:r>
               <a:rPr lang="ru-RU" sz="2800" dirty="0" smtClean="0"/>
-              <a:t>же авторизированные пользователи  </a:t>
-            </a:r>
-            <a:r>
-              <a:rPr lang="ru-RU" sz="2800" dirty="0" smtClean="0"/>
-              <a:t>имеют </a:t>
-            </a:r>
-            <a:r>
-              <a:rPr lang="ru-RU" sz="2800" dirty="0" smtClean="0"/>
-              <a:t>возможность </a:t>
-            </a:r>
-            <a:r>
-              <a:rPr lang="ru-RU" sz="2800" dirty="0" smtClean="0"/>
-              <a:t>добавить данные с </a:t>
-            </a:r>
-            <a:r>
-              <a:rPr lang="ru-RU" sz="2800" dirty="0" smtClean="0"/>
-              <a:t>учетом </a:t>
+              <a:t>же авторизированные пользователи  имеют возможность добавить данные с учетом </a:t>
             </a:r>
             <a:r>
               <a:rPr lang="ru-RU" sz="2800" dirty="0" err="1" smtClean="0"/>
